--- a/docs/sd/1/P11.pptx
+++ b/docs/sd/1/P11.pptx
@@ -231,7 +231,7 @@
           <a:p>
             <a:fld id="{BEA3080B-0B68-465F-AA00-B7627EB12213}" type="datetimeFigureOut">
               <a:rPr lang="en-GB" smtClean="0"/>
-              <a:t>14/03/2021</a:t>
+              <a:t>15/03/2021</a:t>
             </a:fld>
             <a:endParaRPr lang="en-GB"/>
           </a:p>
@@ -1427,7 +1427,7 @@
             <a:fld id="{B61BEF0D-F0BB-DE4B-95CE-6DB70DBA9567}" type="datetimeFigureOut">
               <a:rPr lang="en-US" smtClean="0"/>
               <a:pPr/>
-              <a:t>3/14/2021</a:t>
+              <a:t>3/15/2021</a:t>
             </a:fld>
             <a:endParaRPr lang="en-US" dirty="0"/>
           </a:p>
@@ -1768,7 +1768,7 @@
             <a:fld id="{B61BEF0D-F0BB-DE4B-95CE-6DB70DBA9567}" type="datetimeFigureOut">
               <a:rPr lang="en-US" smtClean="0"/>
               <a:pPr/>
-              <a:t>3/14/2021</a:t>
+              <a:t>3/15/2021</a:t>
             </a:fld>
             <a:endParaRPr lang="en-US" dirty="0"/>
           </a:p>
@@ -2053,7 +2053,7 @@
             <a:fld id="{B61BEF0D-F0BB-DE4B-95CE-6DB70DBA9567}" type="datetimeFigureOut">
               <a:rPr lang="en-US" smtClean="0"/>
               <a:pPr/>
-              <a:t>3/14/2021</a:t>
+              <a:t>3/15/2021</a:t>
             </a:fld>
             <a:endParaRPr lang="en-US" dirty="0"/>
           </a:p>
@@ -2628,7 +2628,7 @@
             <a:fld id="{B61BEF0D-F0BB-DE4B-95CE-6DB70DBA9567}" type="datetimeFigureOut">
               <a:rPr lang="en-US" smtClean="0"/>
               <a:pPr/>
-              <a:t>3/14/2021</a:t>
+              <a:t>3/15/2021</a:t>
             </a:fld>
             <a:endParaRPr lang="en-US" dirty="0"/>
           </a:p>
@@ -2913,7 +2913,7 @@
             <a:fld id="{B61BEF0D-F0BB-DE4B-95CE-6DB70DBA9567}" type="datetimeFigureOut">
               <a:rPr lang="en-US" smtClean="0"/>
               <a:pPr/>
-              <a:t>3/14/2021</a:t>
+              <a:t>3/15/2021</a:t>
             </a:fld>
             <a:endParaRPr lang="en-US" dirty="0"/>
           </a:p>
@@ -3482,7 +3482,7 @@
             <a:fld id="{B61BEF0D-F0BB-DE4B-95CE-6DB70DBA9567}" type="datetimeFigureOut">
               <a:rPr lang="en-US" smtClean="0"/>
               <a:pPr/>
-              <a:t>3/14/2021</a:t>
+              <a:t>3/15/2021</a:t>
             </a:fld>
             <a:endParaRPr lang="en-US" dirty="0"/>
           </a:p>
@@ -3816,7 +3816,7 @@
             <a:fld id="{B61BEF0D-F0BB-DE4B-95CE-6DB70DBA9567}" type="datetimeFigureOut">
               <a:rPr lang="en-US" smtClean="0"/>
               <a:pPr/>
-              <a:t>3/14/2021</a:t>
+              <a:t>3/15/2021</a:t>
             </a:fld>
             <a:endParaRPr lang="en-US" dirty="0"/>
           </a:p>
@@ -4027,7 +4027,7 @@
           <a:p>
             <a:fld id="{55C6B4A9-1611-4792-9094-5F34BCA07E0B}" type="datetimeFigureOut">
               <a:rPr lang="en-US" smtClean="0"/>
-              <a:t>3/14/2021</a:t>
+              <a:t>3/15/2021</a:t>
             </a:fld>
             <a:endParaRPr lang="en-US" dirty="0"/>
           </a:p>
@@ -4244,7 +4244,7 @@
             <a:fld id="{B61BEF0D-F0BB-DE4B-95CE-6DB70DBA9567}" type="datetimeFigureOut">
               <a:rPr lang="en-US" smtClean="0"/>
               <a:pPr/>
-              <a:t>3/14/2021</a:t>
+              <a:t>3/15/2021</a:t>
             </a:fld>
             <a:endParaRPr lang="en-US" dirty="0"/>
           </a:p>
@@ -4451,7 +4451,7 @@
             <a:fld id="{B61BEF0D-F0BB-DE4B-95CE-6DB70DBA9567}" type="datetimeFigureOut">
               <a:rPr lang="en-US" smtClean="0"/>
               <a:pPr/>
-              <a:t>3/14/2021</a:t>
+              <a:t>3/15/2021</a:t>
             </a:fld>
             <a:endParaRPr lang="en-US" dirty="0"/>
           </a:p>
@@ -4734,7 +4734,7 @@
             <a:fld id="{B61BEF0D-F0BB-DE4B-95CE-6DB70DBA9567}" type="datetimeFigureOut">
               <a:rPr lang="en-US" smtClean="0"/>
               <a:pPr/>
-              <a:t>3/14/2021</a:t>
+              <a:t>3/15/2021</a:t>
             </a:fld>
             <a:endParaRPr lang="en-US" dirty="0"/>
           </a:p>
@@ -5006,7 +5006,7 @@
           <a:p>
             <a:fld id="{EB712588-04B1-427B-82EE-E8DB90309F08}" type="datetimeFigureOut">
               <a:rPr lang="en-US" smtClean="0"/>
-              <a:t>3/14/2021</a:t>
+              <a:t>3/15/2021</a:t>
             </a:fld>
             <a:endParaRPr lang="en-US" dirty="0"/>
           </a:p>
@@ -5387,7 +5387,7 @@
             <a:fld id="{B61BEF0D-F0BB-DE4B-95CE-6DB70DBA9567}" type="datetimeFigureOut">
               <a:rPr lang="en-US" smtClean="0"/>
               <a:pPr/>
-              <a:t>3/14/2021</a:t>
+              <a:t>3/15/2021</a:t>
             </a:fld>
             <a:endParaRPr lang="en-US" dirty="0"/>
           </a:p>
@@ -5542,7 +5542,7 @@
             <a:fld id="{B61BEF0D-F0BB-DE4B-95CE-6DB70DBA9567}" type="datetimeFigureOut">
               <a:rPr lang="en-US" smtClean="0"/>
               <a:pPr/>
-              <a:t>3/14/2021</a:t>
+              <a:t>3/15/2021</a:t>
             </a:fld>
             <a:endParaRPr lang="en-US" dirty="0"/>
           </a:p>
@@ -5674,7 +5674,7 @@
             <a:fld id="{B61BEF0D-F0BB-DE4B-95CE-6DB70DBA9567}" type="datetimeFigureOut">
               <a:rPr lang="en-US" smtClean="0"/>
               <a:pPr/>
-              <a:t>3/14/2021</a:t>
+              <a:t>3/15/2021</a:t>
             </a:fld>
             <a:endParaRPr lang="en-US" dirty="0"/>
           </a:p>
@@ -5965,7 +5965,7 @@
           <a:p>
             <a:fld id="{42A54C80-263E-416B-A8E0-580EDEADCBDC}" type="datetimeFigureOut">
               <a:rPr lang="en-US" smtClean="0"/>
-              <a:t>3/14/2021</a:t>
+              <a:t>3/15/2021</a:t>
             </a:fld>
             <a:endParaRPr lang="en-US" dirty="0"/>
           </a:p>
@@ -6296,7 +6296,7 @@
             <a:fld id="{B61BEF0D-F0BB-DE4B-95CE-6DB70DBA9567}" type="datetimeFigureOut">
               <a:rPr lang="en-US" smtClean="0"/>
               <a:pPr/>
-              <a:t>3/14/2021</a:t>
+              <a:t>3/15/2021</a:t>
             </a:fld>
             <a:endParaRPr lang="en-US" dirty="0"/>
           </a:p>
@@ -6517,7 +6517,7 @@
             <a:fld id="{B61BEF0D-F0BB-DE4B-95CE-6DB70DBA9567}" type="datetimeFigureOut">
               <a:rPr lang="en-US" smtClean="0"/>
               <a:pPr/>
-              <a:t>3/14/2021</a:t>
+              <a:t>3/15/2021</a:t>
             </a:fld>
             <a:endParaRPr lang="en-US" dirty="0"/>
           </a:p>
@@ -7329,8 +7329,9 @@
             <a:r>
               <a:rPr lang="pl-PL" b="1" dirty="0">
                 <a:solidFill>
-                  <a:schemeClr val="tx1">
-                    <a:lumMod val="50000"/>
+                  <a:schemeClr val="bg1">
+                    <a:lumMod val="85000"/>
+                    <a:lumOff val="15000"/>
                   </a:schemeClr>
                 </a:solidFill>
               </a:rPr>
@@ -7338,8 +7339,9 @@
             </a:r>
             <a:endParaRPr lang="en-GB" b="1" dirty="0">
               <a:solidFill>
-                <a:schemeClr val="tx1">
-                  <a:lumMod val="50000"/>
+                <a:schemeClr val="bg1">
+                  <a:lumMod val="85000"/>
+                  <a:lumOff val="15000"/>
                 </a:schemeClr>
               </a:solidFill>
             </a:endParaRPr>
@@ -7353,8 +7355,9 @@
             <a:r>
               <a:rPr lang="pl-PL" b="1" dirty="0">
                 <a:solidFill>
-                  <a:schemeClr val="tx1">
-                    <a:lumMod val="50000"/>
+                  <a:schemeClr val="bg1">
+                    <a:lumMod val="85000"/>
+                    <a:lumOff val="15000"/>
                   </a:schemeClr>
                 </a:solidFill>
               </a:rPr>
@@ -7362,8 +7365,9 @@
             </a:r>
             <a:endParaRPr lang="en-GB" b="1" dirty="0">
               <a:solidFill>
-                <a:schemeClr val="tx1">
-                  <a:lumMod val="50000"/>
+                <a:schemeClr val="bg1">
+                  <a:lumMod val="85000"/>
+                  <a:lumOff val="15000"/>
                 </a:schemeClr>
               </a:solidFill>
             </a:endParaRPr>
@@ -7388,8 +7392,9 @@
             <a:r>
               <a:rPr lang="pl-PL" b="1" dirty="0">
                 <a:solidFill>
-                  <a:schemeClr val="tx1">
-                    <a:lumMod val="50000"/>
+                  <a:schemeClr val="bg1">
+                    <a:lumMod val="85000"/>
+                    <a:lumOff val="15000"/>
                   </a:schemeClr>
                 </a:solidFill>
               </a:rPr>
@@ -7397,8 +7402,9 @@
             </a:r>
             <a:endParaRPr lang="en-GB" b="1" dirty="0">
               <a:solidFill>
-                <a:schemeClr val="tx1">
-                  <a:lumMod val="50000"/>
+                <a:schemeClr val="bg1">
+                  <a:lumMod val="85000"/>
+                  <a:lumOff val="15000"/>
                 </a:schemeClr>
               </a:solidFill>
             </a:endParaRPr>
@@ -7412,8 +7418,9 @@
             <a:r>
               <a:rPr lang="pl-PL" b="1" dirty="0">
                 <a:solidFill>
-                  <a:schemeClr val="tx1">
-                    <a:lumMod val="50000"/>
+                  <a:schemeClr val="bg1">
+                    <a:lumMod val="85000"/>
+                    <a:lumOff val="15000"/>
                   </a:schemeClr>
                 </a:solidFill>
               </a:rPr>
@@ -7429,8 +7436,9 @@
             <a:r>
               <a:rPr lang="pl-PL" b="1" dirty="0">
                 <a:solidFill>
-                  <a:schemeClr val="tx1">
-                    <a:lumMod val="50000"/>
+                  <a:schemeClr val="bg1">
+                    <a:lumMod val="85000"/>
+                    <a:lumOff val="15000"/>
                   </a:schemeClr>
                 </a:solidFill>
               </a:rPr>
@@ -8885,8 +8893,9 @@
             <a:r>
               <a:rPr lang="pl-PL" b="1" dirty="0">
                 <a:solidFill>
-                  <a:schemeClr val="tx1">
-                    <a:lumMod val="50000"/>
+                  <a:schemeClr val="bg1">
+                    <a:lumMod val="85000"/>
+                    <a:lumOff val="15000"/>
                   </a:schemeClr>
                 </a:solidFill>
               </a:rPr>
@@ -8894,8 +8903,9 @@
             </a:r>
             <a:endParaRPr lang="en-GB" b="1" dirty="0">
               <a:solidFill>
-                <a:schemeClr val="tx1">
-                  <a:lumMod val="50000"/>
+                <a:schemeClr val="bg1">
+                  <a:lumMod val="85000"/>
+                  <a:lumOff val="15000"/>
                 </a:schemeClr>
               </a:solidFill>
             </a:endParaRPr>
@@ -8909,8 +8919,9 @@
             <a:r>
               <a:rPr lang="pl-PL" b="1" dirty="0">
                 <a:solidFill>
-                  <a:schemeClr val="tx1">
-                    <a:lumMod val="50000"/>
+                  <a:schemeClr val="bg1">
+                    <a:lumMod val="85000"/>
+                    <a:lumOff val="15000"/>
                   </a:schemeClr>
                 </a:solidFill>
               </a:rPr>
@@ -8918,8 +8929,9 @@
             </a:r>
             <a:endParaRPr lang="en-GB" b="1" dirty="0">
               <a:solidFill>
-                <a:schemeClr val="tx1">
-                  <a:lumMod val="50000"/>
+                <a:schemeClr val="bg1">
+                  <a:lumMod val="85000"/>
+                  <a:lumOff val="15000"/>
                 </a:schemeClr>
               </a:solidFill>
             </a:endParaRPr>
@@ -8933,8 +8945,9 @@
             <a:r>
               <a:rPr lang="pl-PL" b="1" dirty="0">
                 <a:solidFill>
-                  <a:schemeClr val="tx1">
-                    <a:lumMod val="50000"/>
+                  <a:schemeClr val="bg1">
+                    <a:lumMod val="85000"/>
+                    <a:lumOff val="15000"/>
                   </a:schemeClr>
                 </a:solidFill>
               </a:rPr>
@@ -8962,8 +8975,9 @@
             <a:r>
               <a:rPr lang="pl-PL" b="1" dirty="0">
                 <a:solidFill>
-                  <a:schemeClr val="tx1">
-                    <a:lumMod val="50000"/>
+                  <a:schemeClr val="bg1">
+                    <a:lumMod val="85000"/>
+                    <a:lumOff val="15000"/>
                   </a:schemeClr>
                 </a:solidFill>
               </a:rPr>
@@ -8979,8 +8993,9 @@
             <a:r>
               <a:rPr lang="pl-PL" b="1" dirty="0">
                 <a:solidFill>
-                  <a:schemeClr val="tx1">
-                    <a:lumMod val="50000"/>
+                  <a:schemeClr val="bg1">
+                    <a:lumMod val="85000"/>
+                    <a:lumOff val="15000"/>
                   </a:schemeClr>
                 </a:solidFill>
               </a:rPr>
@@ -9750,8 +9765,9 @@
             <a:r>
               <a:rPr lang="pl-PL" b="1" dirty="0">
                 <a:solidFill>
-                  <a:schemeClr val="tx1">
-                    <a:lumMod val="50000"/>
+                  <a:schemeClr val="bg1">
+                    <a:lumMod val="85000"/>
+                    <a:lumOff val="15000"/>
                   </a:schemeClr>
                 </a:solidFill>
               </a:rPr>
@@ -9759,8 +9775,9 @@
             </a:r>
             <a:endParaRPr lang="en-GB" b="1" dirty="0">
               <a:solidFill>
-                <a:schemeClr val="tx1">
-                  <a:lumMod val="50000"/>
+                <a:schemeClr val="bg1">
+                  <a:lumMod val="85000"/>
+                  <a:lumOff val="15000"/>
                 </a:schemeClr>
               </a:solidFill>
             </a:endParaRPr>
@@ -9774,8 +9791,9 @@
             <a:r>
               <a:rPr lang="pl-PL" b="1" dirty="0">
                 <a:solidFill>
-                  <a:schemeClr val="tx1">
-                    <a:lumMod val="50000"/>
+                  <a:schemeClr val="bg1">
+                    <a:lumMod val="85000"/>
+                    <a:lumOff val="15000"/>
                   </a:schemeClr>
                 </a:solidFill>
               </a:rPr>
@@ -9783,8 +9801,9 @@
             </a:r>
             <a:endParaRPr lang="en-GB" b="1" dirty="0">
               <a:solidFill>
-                <a:schemeClr val="tx1">
-                  <a:lumMod val="50000"/>
+                <a:schemeClr val="bg1">
+                  <a:lumMod val="85000"/>
+                  <a:lumOff val="15000"/>
                 </a:schemeClr>
               </a:solidFill>
             </a:endParaRPr>
@@ -9798,8 +9817,9 @@
             <a:r>
               <a:rPr lang="pl-PL" b="1" dirty="0">
                 <a:solidFill>
-                  <a:schemeClr val="tx1">
-                    <a:lumMod val="50000"/>
+                  <a:schemeClr val="bg1">
+                    <a:lumMod val="85000"/>
+                    <a:lumOff val="15000"/>
                   </a:schemeClr>
                 </a:solidFill>
               </a:rPr>
@@ -9815,8 +9835,9 @@
             <a:r>
               <a:rPr lang="pl-PL" b="1" dirty="0">
                 <a:solidFill>
-                  <a:schemeClr val="tx1">
-                    <a:lumMod val="50000"/>
+                  <a:schemeClr val="bg1">
+                    <a:lumMod val="85000"/>
+                    <a:lumOff val="15000"/>
                   </a:schemeClr>
                 </a:solidFill>
               </a:rPr>
@@ -9824,8 +9845,9 @@
             </a:r>
             <a:endParaRPr lang="en-GB" b="1" dirty="0">
               <a:solidFill>
-                <a:schemeClr val="tx1">
-                  <a:lumMod val="50000"/>
+                <a:schemeClr val="bg1">
+                  <a:lumMod val="85000"/>
+                  <a:lumOff val="15000"/>
                 </a:schemeClr>
               </a:solidFill>
             </a:endParaRPr>
@@ -9850,8 +9872,9 @@
             <a:r>
               <a:rPr lang="pl-PL" b="1" dirty="0">
                 <a:solidFill>
-                  <a:schemeClr val="tx1">
-                    <a:lumMod val="50000"/>
+                  <a:schemeClr val="bg1">
+                    <a:lumMod val="85000"/>
+                    <a:lumOff val="15000"/>
                   </a:schemeClr>
                 </a:solidFill>
               </a:rPr>
@@ -10031,22 +10054,10 @@
               </a:spcBef>
             </a:pPr>
             <a:r>
-              <a:rPr lang="pl-PL" b="1" dirty="0">
-                <a:solidFill>
-                  <a:schemeClr val="tx1">
-                    <a:lumMod val="95000"/>
-                  </a:schemeClr>
-                </a:solidFill>
-              </a:rPr>
+              <a:rPr lang="pl-PL" b="1" dirty="0"/>
               <a:t>Problem</a:t>
             </a:r>
-            <a:endParaRPr lang="en-GB" b="1" dirty="0">
-              <a:solidFill>
-                <a:schemeClr val="tx1">
-                  <a:lumMod val="95000"/>
-                </a:schemeClr>
-              </a:solidFill>
-            </a:endParaRPr>
+            <a:endParaRPr lang="en-GB" b="1" dirty="0"/>
           </a:p>
           <a:p>
             <a:pPr>
@@ -10057,8 +10068,9 @@
             <a:r>
               <a:rPr lang="pl-PL" b="1" dirty="0">
                 <a:solidFill>
-                  <a:schemeClr val="tx1">
-                    <a:lumMod val="50000"/>
+                  <a:schemeClr val="bg1">
+                    <a:lumMod val="85000"/>
+                    <a:lumOff val="15000"/>
                   </a:schemeClr>
                 </a:solidFill>
               </a:rPr>
@@ -10066,8 +10078,9 @@
             </a:r>
             <a:endParaRPr lang="en-GB" b="1" dirty="0">
               <a:solidFill>
-                <a:schemeClr val="tx1">
-                  <a:lumMod val="50000"/>
+                <a:schemeClr val="bg1">
+                  <a:lumMod val="85000"/>
+                  <a:lumOff val="15000"/>
                 </a:schemeClr>
               </a:solidFill>
             </a:endParaRPr>
@@ -10081,8 +10094,9 @@
             <a:r>
               <a:rPr lang="pl-PL" b="1" dirty="0">
                 <a:solidFill>
-                  <a:schemeClr val="tx1">
-                    <a:lumMod val="50000"/>
+                  <a:schemeClr val="bg1">
+                    <a:lumMod val="85000"/>
+                    <a:lumOff val="15000"/>
                   </a:schemeClr>
                 </a:solidFill>
               </a:rPr>
@@ -10098,8 +10112,9 @@
             <a:r>
               <a:rPr lang="pl-PL" b="1" dirty="0">
                 <a:solidFill>
-                  <a:schemeClr val="tx1">
-                    <a:lumMod val="50000"/>
+                  <a:schemeClr val="bg1">
+                    <a:lumMod val="85000"/>
+                    <a:lumOff val="15000"/>
                   </a:schemeClr>
                 </a:solidFill>
               </a:rPr>
@@ -10107,8 +10122,9 @@
             </a:r>
             <a:endParaRPr lang="en-GB" b="1" dirty="0">
               <a:solidFill>
-                <a:schemeClr val="tx1">
-                  <a:lumMod val="50000"/>
+                <a:schemeClr val="bg1">
+                  <a:lumMod val="85000"/>
+                  <a:lumOff val="15000"/>
                 </a:schemeClr>
               </a:solidFill>
             </a:endParaRPr>
@@ -10122,8 +10138,9 @@
             <a:r>
               <a:rPr lang="pl-PL" b="1" dirty="0">
                 <a:solidFill>
-                  <a:schemeClr val="tx1">
-                    <a:lumMod val="50000"/>
+                  <a:schemeClr val="bg1">
+                    <a:lumMod val="85000"/>
+                    <a:lumOff val="15000"/>
                   </a:schemeClr>
                 </a:solidFill>
               </a:rPr>
@@ -10139,8 +10156,9 @@
             <a:r>
               <a:rPr lang="pl-PL" b="1" dirty="0">
                 <a:solidFill>
-                  <a:schemeClr val="tx1">
-                    <a:lumMod val="50000"/>
+                  <a:schemeClr val="bg1">
+                    <a:lumMod val="85000"/>
+                    <a:lumOff val="15000"/>
                   </a:schemeClr>
                 </a:solidFill>
               </a:rPr>
@@ -10657,8 +10675,9 @@
             <a:r>
               <a:rPr lang="pl-PL" b="1" dirty="0">
                 <a:solidFill>
-                  <a:schemeClr val="tx1">
-                    <a:lumMod val="50000"/>
+                  <a:schemeClr val="bg1">
+                    <a:lumMod val="85000"/>
+                    <a:lumOff val="15000"/>
                   </a:schemeClr>
                 </a:solidFill>
               </a:rPr>
@@ -10666,8 +10685,9 @@
             </a:r>
             <a:endParaRPr lang="en-GB" b="1" dirty="0">
               <a:solidFill>
-                <a:schemeClr val="tx1">
-                  <a:lumMod val="50000"/>
+                <a:schemeClr val="bg1">
+                  <a:lumMod val="85000"/>
+                  <a:lumOff val="15000"/>
                 </a:schemeClr>
               </a:solidFill>
             </a:endParaRPr>
@@ -10681,8 +10701,9 @@
             <a:r>
               <a:rPr lang="pl-PL" b="1" dirty="0">
                 <a:solidFill>
-                  <a:schemeClr val="tx1">
-                    <a:lumMod val="50000"/>
+                  <a:schemeClr val="bg1">
+                    <a:lumMod val="85000"/>
+                    <a:lumOff val="15000"/>
                   </a:schemeClr>
                 </a:solidFill>
               </a:rPr>
@@ -10690,8 +10711,9 @@
             </a:r>
             <a:endParaRPr lang="en-GB" b="1" dirty="0">
               <a:solidFill>
-                <a:schemeClr val="tx1">
-                  <a:lumMod val="50000"/>
+                <a:schemeClr val="bg1">
+                  <a:lumMod val="85000"/>
+                  <a:lumOff val="15000"/>
                 </a:schemeClr>
               </a:solidFill>
             </a:endParaRPr>
@@ -10705,8 +10727,9 @@
             <a:r>
               <a:rPr lang="pl-PL" b="1" dirty="0">
                 <a:solidFill>
-                  <a:schemeClr val="tx1">
-                    <a:lumMod val="50000"/>
+                  <a:schemeClr val="bg1">
+                    <a:lumMod val="85000"/>
+                    <a:lumOff val="15000"/>
                   </a:schemeClr>
                 </a:solidFill>
               </a:rPr>
@@ -10722,8 +10745,9 @@
             <a:r>
               <a:rPr lang="pl-PL" b="1" dirty="0">
                 <a:solidFill>
-                  <a:schemeClr val="tx1">
-                    <a:lumMod val="50000"/>
+                  <a:schemeClr val="bg1">
+                    <a:lumMod val="85000"/>
+                    <a:lumOff val="15000"/>
                   </a:schemeClr>
                 </a:solidFill>
               </a:rPr>
@@ -10731,8 +10755,9 @@
             </a:r>
             <a:endParaRPr lang="en-GB" b="1" dirty="0">
               <a:solidFill>
-                <a:schemeClr val="tx1">
-                  <a:lumMod val="50000"/>
+                <a:schemeClr val="bg1">
+                  <a:lumMod val="85000"/>
+                  <a:lumOff val="15000"/>
                 </a:schemeClr>
               </a:solidFill>
             </a:endParaRPr>
@@ -10746,8 +10771,9 @@
             <a:r>
               <a:rPr lang="pl-PL" b="1" dirty="0">
                 <a:solidFill>
-                  <a:schemeClr val="tx1">
-                    <a:lumMod val="50000"/>
+                  <a:schemeClr val="bg1">
+                    <a:lumMod val="85000"/>
+                    <a:lumOff val="15000"/>
                   </a:schemeClr>
                 </a:solidFill>
               </a:rPr>
@@ -11320,8 +11346,8 @@
         </p:nvSpPr>
         <p:spPr>
           <a:xfrm>
-            <a:off x="6875445" y="1220295"/>
-            <a:ext cx="3808904" cy="2246769"/>
+            <a:off x="6758713" y="1558035"/>
+            <a:ext cx="3808904" cy="1015663"/>
           </a:xfrm>
           <a:prstGeom prst="rect">
             <a:avLst/>
@@ -11338,18 +11364,6 @@
               <a:rPr lang="pl-PL" sz="6000" b="1" dirty="0"/>
               <a:t>Pytania?</a:t>
             </a:r>
-          </a:p>
-          <a:p>
-            <a:pPr>
-              <a:spcBef>
-                <a:spcPts val="2400"/>
-              </a:spcBef>
-            </a:pPr>
-            <a:r>
-              <a:rPr lang="pl-PL" sz="6000" b="1" dirty="0"/>
-              <a:t>Uwagi?</a:t>
-            </a:r>
-            <a:endParaRPr lang="en-GB" sz="6000" b="1" dirty="0"/>
           </a:p>
         </p:txBody>
       </p:sp>
@@ -11845,6 +11859,46 @@
           </a:p>
         </p:txBody>
       </p:sp>
+      <p:pic>
+        <p:nvPicPr>
+          <p:cNvPr id="10" name="Picture 9">
+            <a:extLst>
+              <a:ext uri="{FF2B5EF4-FFF2-40B4-BE49-F238E27FC236}">
+                <a16:creationId xmlns:a16="http://schemas.microsoft.com/office/drawing/2014/main" id="{4B2A7FC1-ED01-4925-ADD7-CB5D2DF605BB}"/>
+              </a:ext>
+            </a:extLst>
+          </p:cNvPr>
+          <p:cNvPicPr>
+            <a:picLocks noChangeAspect="1"/>
+          </p:cNvPicPr>
+          <p:nvPr/>
+        </p:nvPicPr>
+        <p:blipFill>
+          <a:blip r:embed="rId2"/>
+          <a:stretch>
+            <a:fillRect/>
+          </a:stretch>
+        </p:blipFill>
+        <p:spPr>
+          <a:xfrm>
+            <a:off x="685800" y="3793787"/>
+            <a:ext cx="3254810" cy="2105073"/>
+          </a:xfrm>
+          <a:prstGeom prst="rect">
+            <a:avLst/>
+          </a:prstGeom>
+          <a:ln>
+            <a:noFill/>
+          </a:ln>
+          <a:effectLst>
+            <a:outerShdw blurRad="190500" algn="tl" rotWithShape="0">
+              <a:srgbClr val="000000">
+                <a:alpha val="70000"/>
+              </a:srgbClr>
+            </a:outerShdw>
+          </a:effectLst>
+        </p:spPr>
+      </p:pic>
     </p:spTree>
     <p:extLst>
       <p:ext uri="{BB962C8B-B14F-4D97-AF65-F5344CB8AC3E}">
@@ -12154,6 +12208,52 @@
           </a:p>
         </p:txBody>
       </p:sp>
+      <p:pic>
+        <p:nvPicPr>
+          <p:cNvPr id="7" name="Picture 6">
+            <a:extLst>
+              <a:ext uri="{FF2B5EF4-FFF2-40B4-BE49-F238E27FC236}">
+                <a16:creationId xmlns:a16="http://schemas.microsoft.com/office/drawing/2014/main" id="{B1713A2B-59E9-4023-AC62-9BAB4F2B0358}"/>
+              </a:ext>
+            </a:extLst>
+          </p:cNvPr>
+          <p:cNvPicPr>
+            <a:picLocks noChangeAspect="1"/>
+          </p:cNvPicPr>
+          <p:nvPr/>
+        </p:nvPicPr>
+        <p:blipFill>
+          <a:blip r:embed="rId2">
+            <a:extLst>
+              <a:ext uri="{28A0092B-C50C-407E-A947-70E740481C1C}">
+                <a14:useLocalDpi xmlns:a14="http://schemas.microsoft.com/office/drawing/2010/main" val="0"/>
+              </a:ext>
+            </a:extLst>
+          </a:blip>
+          <a:stretch>
+            <a:fillRect/>
+          </a:stretch>
+        </p:blipFill>
+        <p:spPr>
+          <a:xfrm>
+            <a:off x="1081778" y="3429000"/>
+            <a:ext cx="2634187" cy="1949297"/>
+          </a:xfrm>
+          <a:prstGeom prst="rect">
+            <a:avLst/>
+          </a:prstGeom>
+          <a:ln>
+            <a:noFill/>
+          </a:ln>
+          <a:effectLst>
+            <a:outerShdw blurRad="190500" algn="tl" rotWithShape="0">
+              <a:srgbClr val="000000">
+                <a:alpha val="70000"/>
+              </a:srgbClr>
+            </a:outerShdw>
+          </a:effectLst>
+        </p:spPr>
+      </p:pic>
     </p:spTree>
     <p:extLst>
       <p:ext uri="{BB962C8B-B14F-4D97-AF65-F5344CB8AC3E}">
@@ -12495,6 +12595,52 @@
           </a:p>
         </p:txBody>
       </p:sp>
+      <p:pic>
+        <p:nvPicPr>
+          <p:cNvPr id="7" name="Picture 6">
+            <a:extLst>
+              <a:ext uri="{FF2B5EF4-FFF2-40B4-BE49-F238E27FC236}">
+                <a16:creationId xmlns:a16="http://schemas.microsoft.com/office/drawing/2014/main" id="{D2B68070-99B0-4D5D-BE8D-F5641131ABA3}"/>
+              </a:ext>
+            </a:extLst>
+          </p:cNvPr>
+          <p:cNvPicPr>
+            <a:picLocks noChangeAspect="1"/>
+          </p:cNvPicPr>
+          <p:nvPr/>
+        </p:nvPicPr>
+        <p:blipFill>
+          <a:blip r:embed="rId2" cstate="print">
+            <a:extLst>
+              <a:ext uri="{28A0092B-C50C-407E-A947-70E740481C1C}">
+                <a14:useLocalDpi xmlns:a14="http://schemas.microsoft.com/office/drawing/2010/main" val="0"/>
+              </a:ext>
+            </a:extLst>
+          </a:blip>
+          <a:stretch>
+            <a:fillRect/>
+          </a:stretch>
+        </p:blipFill>
+        <p:spPr>
+          <a:xfrm>
+            <a:off x="894944" y="3643975"/>
+            <a:ext cx="3101371" cy="2068614"/>
+          </a:xfrm>
+          <a:prstGeom prst="rect">
+            <a:avLst/>
+          </a:prstGeom>
+          <a:ln>
+            <a:noFill/>
+          </a:ln>
+          <a:effectLst>
+            <a:outerShdw blurRad="190500" algn="tl" rotWithShape="0">
+              <a:srgbClr val="000000">
+                <a:alpha val="70000"/>
+              </a:srgbClr>
+            </a:outerShdw>
+          </a:effectLst>
+        </p:spPr>
+      </p:pic>
     </p:spTree>
     <p:extLst>
       <p:ext uri="{BB962C8B-B14F-4D97-AF65-F5344CB8AC3E}">
@@ -12817,6 +12963,52 @@
           </a:p>
         </p:txBody>
       </p:sp>
+      <p:pic>
+        <p:nvPicPr>
+          <p:cNvPr id="7" name="Picture 6">
+            <a:extLst>
+              <a:ext uri="{FF2B5EF4-FFF2-40B4-BE49-F238E27FC236}">
+                <a16:creationId xmlns:a16="http://schemas.microsoft.com/office/drawing/2014/main" id="{2A6EF431-EE9B-4E65-977D-33871CBEF0D8}"/>
+              </a:ext>
+            </a:extLst>
+          </p:cNvPr>
+          <p:cNvPicPr>
+            <a:picLocks noChangeAspect="1"/>
+          </p:cNvPicPr>
+          <p:nvPr/>
+        </p:nvPicPr>
+        <p:blipFill>
+          <a:blip r:embed="rId2" cstate="print">
+            <a:extLst>
+              <a:ext uri="{28A0092B-C50C-407E-A947-70E740481C1C}">
+                <a14:useLocalDpi xmlns:a14="http://schemas.microsoft.com/office/drawing/2010/main" val="0"/>
+              </a:ext>
+            </a:extLst>
+          </a:blip>
+          <a:stretch>
+            <a:fillRect/>
+          </a:stretch>
+        </p:blipFill>
+        <p:spPr>
+          <a:xfrm>
+            <a:off x="990697" y="3748232"/>
+            <a:ext cx="3241977" cy="1942450"/>
+          </a:xfrm>
+          <a:prstGeom prst="rect">
+            <a:avLst/>
+          </a:prstGeom>
+          <a:ln>
+            <a:noFill/>
+          </a:ln>
+          <a:effectLst>
+            <a:outerShdw blurRad="190500" algn="tl" rotWithShape="0">
+              <a:srgbClr val="000000">
+                <a:alpha val="70000"/>
+              </a:srgbClr>
+            </a:outerShdw>
+          </a:effectLst>
+        </p:spPr>
+      </p:pic>
     </p:spTree>
     <p:extLst>
       <p:ext uri="{BB962C8B-B14F-4D97-AF65-F5344CB8AC3E}">
@@ -12980,8 +13172,9 @@
             <a:r>
               <a:rPr lang="pl-PL" b="1" dirty="0">
                 <a:solidFill>
-                  <a:schemeClr val="tx1">
-                    <a:lumMod val="50000"/>
+                  <a:schemeClr val="bg1">
+                    <a:lumMod val="85000"/>
+                    <a:lumOff val="15000"/>
                   </a:schemeClr>
                 </a:solidFill>
               </a:rPr>
@@ -12989,8 +13182,9 @@
             </a:r>
             <a:endParaRPr lang="en-GB" b="1" dirty="0">
               <a:solidFill>
-                <a:schemeClr val="tx1">
-                  <a:lumMod val="50000"/>
+                <a:schemeClr val="bg1">
+                  <a:lumMod val="85000"/>
+                  <a:lumOff val="15000"/>
                 </a:schemeClr>
               </a:solidFill>
             </a:endParaRPr>
@@ -13016,8 +13210,9 @@
             <a:r>
               <a:rPr lang="pl-PL" b="1" dirty="0">
                 <a:solidFill>
-                  <a:schemeClr val="tx1">
-                    <a:lumMod val="50000"/>
+                  <a:schemeClr val="bg1">
+                    <a:lumMod val="85000"/>
+                    <a:lumOff val="15000"/>
                   </a:schemeClr>
                 </a:solidFill>
               </a:rPr>
@@ -13033,8 +13228,9 @@
             <a:r>
               <a:rPr lang="pl-PL" b="1" dirty="0">
                 <a:solidFill>
-                  <a:schemeClr val="tx1">
-                    <a:lumMod val="50000"/>
+                  <a:schemeClr val="bg1">
+                    <a:lumMod val="85000"/>
+                    <a:lumOff val="15000"/>
                   </a:schemeClr>
                 </a:solidFill>
               </a:rPr>
@@ -13042,8 +13238,9 @@
             </a:r>
             <a:endParaRPr lang="en-GB" b="1" dirty="0">
               <a:solidFill>
-                <a:schemeClr val="tx1">
-                  <a:lumMod val="50000"/>
+                <a:schemeClr val="bg1">
+                  <a:lumMod val="85000"/>
+                  <a:lumOff val="15000"/>
                 </a:schemeClr>
               </a:solidFill>
             </a:endParaRPr>
@@ -13057,8 +13254,9 @@
             <a:r>
               <a:rPr lang="pl-PL" b="1" dirty="0">
                 <a:solidFill>
-                  <a:schemeClr val="tx1">
-                    <a:lumMod val="50000"/>
+                  <a:schemeClr val="bg1">
+                    <a:lumMod val="85000"/>
+                    <a:lumOff val="15000"/>
                   </a:schemeClr>
                 </a:solidFill>
               </a:rPr>
@@ -13074,8 +13272,9 @@
             <a:r>
               <a:rPr lang="pl-PL" b="1" dirty="0">
                 <a:solidFill>
-                  <a:schemeClr val="tx1">
-                    <a:lumMod val="50000"/>
+                  <a:schemeClr val="bg1">
+                    <a:lumMod val="85000"/>
+                    <a:lumOff val="15000"/>
                   </a:schemeClr>
                 </a:solidFill>
               </a:rPr>
